--- a/Présentation Projet3.pptx
+++ b/Présentation Projet3.pptx
@@ -15,6 +15,8 @@
     <p:sldId id="263" r:id="rId9"/>
     <p:sldId id="264" r:id="rId10"/>
     <p:sldId id="265" r:id="rId11"/>
+    <p:sldId id="266" r:id="rId12"/>
+    <p:sldId id="267" r:id="rId13"/>
   </p:sldIdLst>
   <p:sldSz cx="12192000" cy="6858000"/>
   <p:notesSz cx="6858000" cy="9144000"/>
@@ -113,6 +115,11 @@
       </a:defRPr>
     </a:lvl9pPr>
   </p:defaultTextStyle>
+  <p:extLst>
+    <p:ext uri="{EFAFB233-063F-42B5-8137-9DF3F51BA10A}">
+      <p15:sldGuideLst xmlns:p15="http://schemas.microsoft.com/office/powerpoint/2012/main"/>
+    </p:ext>
+  </p:extLst>
 </p:presentation>
 </file>
 
@@ -839,7 +846,7 @@
             <a:fld id="{B61BEF0D-F0BB-DE4B-95CE-6DB70DBA9567}" type="datetimeFigureOut">
               <a:rPr lang="en-US" dirty="0"/>
               <a:pPr/>
-              <a:t>7/16/20</a:t>
+              <a:t>7/21/20</a:t>
             </a:fld>
             <a:endParaRPr lang="en-US" dirty="0"/>
           </a:p>
@@ -1092,7 +1099,7 @@
             <a:fld id="{B61BEF0D-F0BB-DE4B-95CE-6DB70DBA9567}" type="datetimeFigureOut">
               <a:rPr lang="en-US" dirty="0"/>
               <a:pPr/>
-              <a:t>7/16/20</a:t>
+              <a:t>7/21/20</a:t>
             </a:fld>
             <a:endParaRPr lang="en-US" dirty="0"/>
           </a:p>
@@ -1413,7 +1420,7 @@
             <a:fld id="{B61BEF0D-F0BB-DE4B-95CE-6DB70DBA9567}" type="datetimeFigureOut">
               <a:rPr lang="en-US" dirty="0"/>
               <a:pPr/>
-              <a:t>7/16/20</a:t>
+              <a:t>7/21/20</a:t>
             </a:fld>
             <a:endParaRPr lang="en-US" dirty="0"/>
           </a:p>
@@ -1756,7 +1763,7 @@
             <a:fld id="{B61BEF0D-F0BB-DE4B-95CE-6DB70DBA9567}" type="datetimeFigureOut">
               <a:rPr lang="en-US" dirty="0"/>
               <a:pPr/>
-              <a:t>7/16/20</a:t>
+              <a:t>7/21/20</a:t>
             </a:fld>
             <a:endParaRPr lang="en-US" dirty="0"/>
           </a:p>
@@ -2077,7 +2084,7 @@
             <a:fld id="{B61BEF0D-F0BB-DE4B-95CE-6DB70DBA9567}" type="datetimeFigureOut">
               <a:rPr lang="en-US" dirty="0"/>
               <a:pPr/>
-              <a:t>7/16/20</a:t>
+              <a:t>7/21/20</a:t>
             </a:fld>
             <a:endParaRPr lang="en-US" dirty="0"/>
           </a:p>
@@ -2477,7 +2484,7 @@
             <a:fld id="{B61BEF0D-F0BB-DE4B-95CE-6DB70DBA9567}" type="datetimeFigureOut">
               <a:rPr lang="en-US" dirty="0"/>
               <a:pPr/>
-              <a:t>7/16/20</a:t>
+              <a:t>7/21/20</a:t>
             </a:fld>
             <a:endParaRPr lang="en-US" dirty="0"/>
           </a:p>
@@ -2619,7 +2626,7 @@
           <a:p>
             <a:fld id="{55C6B4A9-1611-4792-9094-5F34BCA07E0B}" type="datetimeFigureOut">
               <a:rPr lang="en-US" dirty="0"/>
-              <a:t>7/16/20</a:t>
+              <a:t>7/21/20</a:t>
             </a:fld>
             <a:endParaRPr lang="en-US" dirty="0"/>
           </a:p>
@@ -2771,7 +2778,7 @@
             <a:fld id="{B61BEF0D-F0BB-DE4B-95CE-6DB70DBA9567}" type="datetimeFigureOut">
               <a:rPr lang="en-US" dirty="0"/>
               <a:pPr/>
-              <a:t>7/16/20</a:t>
+              <a:t>7/21/20</a:t>
             </a:fld>
             <a:endParaRPr lang="en-US" dirty="0"/>
           </a:p>
@@ -2920,7 +2927,7 @@
             <a:fld id="{B61BEF0D-F0BB-DE4B-95CE-6DB70DBA9567}" type="datetimeFigureOut">
               <a:rPr lang="en-US" dirty="0"/>
               <a:pPr/>
-              <a:t>7/16/20</a:t>
+              <a:t>7/21/20</a:t>
             </a:fld>
             <a:endParaRPr lang="en-US" dirty="0"/>
           </a:p>
@@ -3169,7 +3176,7 @@
             <a:fld id="{B61BEF0D-F0BB-DE4B-95CE-6DB70DBA9567}" type="datetimeFigureOut">
               <a:rPr lang="en-US" dirty="0"/>
               <a:pPr/>
-              <a:t>7/16/20</a:t>
+              <a:t>7/21/20</a:t>
             </a:fld>
             <a:endParaRPr lang="en-US" dirty="0"/>
           </a:p>
@@ -3349,7 +3356,7 @@
           <a:p>
             <a:fld id="{EB712588-04B1-427B-82EE-E8DB90309F08}" type="datetimeFigureOut">
               <a:rPr lang="en-US" dirty="0"/>
-              <a:t>7/16/20</a:t>
+              <a:t>7/21/20</a:t>
             </a:fld>
             <a:endParaRPr lang="en-US" dirty="0"/>
           </a:p>
@@ -3681,7 +3688,7 @@
             <a:fld id="{B61BEF0D-F0BB-DE4B-95CE-6DB70DBA9567}" type="datetimeFigureOut">
               <a:rPr lang="en-US" dirty="0"/>
               <a:pPr/>
-              <a:t>7/16/20</a:t>
+              <a:t>7/21/20</a:t>
             </a:fld>
             <a:endParaRPr lang="en-US" dirty="0"/>
           </a:p>
@@ -3801,7 +3808,7 @@
             <a:fld id="{B61BEF0D-F0BB-DE4B-95CE-6DB70DBA9567}" type="datetimeFigureOut">
               <a:rPr lang="en-US" dirty="0"/>
               <a:pPr/>
-              <a:t>7/16/20</a:t>
+              <a:t>7/21/20</a:t>
             </a:fld>
             <a:endParaRPr lang="en-US" dirty="0"/>
           </a:p>
@@ -3893,7 +3900,7 @@
             <a:fld id="{B61BEF0D-F0BB-DE4B-95CE-6DB70DBA9567}" type="datetimeFigureOut">
               <a:rPr lang="en-US" dirty="0"/>
               <a:pPr/>
-              <a:t>7/16/20</a:t>
+              <a:t>7/21/20</a:t>
             </a:fld>
             <a:endParaRPr lang="en-US" dirty="0"/>
           </a:p>
@@ -4125,7 +4132,7 @@
           <a:p>
             <a:fld id="{42A54C80-263E-416B-A8E0-580EDEADCBDC}" type="datetimeFigureOut">
               <a:rPr lang="en-US" dirty="0"/>
-              <a:t>7/16/20</a:t>
+              <a:t>7/21/20</a:t>
             </a:fld>
             <a:endParaRPr lang="en-US" dirty="0"/>
           </a:p>
@@ -4389,7 +4396,7 @@
             <a:fld id="{B61BEF0D-F0BB-DE4B-95CE-6DB70DBA9567}" type="datetimeFigureOut">
               <a:rPr lang="en-US" dirty="0"/>
               <a:pPr/>
-              <a:t>7/16/20</a:t>
+              <a:t>7/21/20</a:t>
             </a:fld>
             <a:endParaRPr lang="en-US" dirty="0"/>
           </a:p>
@@ -5105,7 +5112,7 @@
             <a:fld id="{B61BEF0D-F0BB-DE4B-95CE-6DB70DBA9567}" type="datetimeFigureOut">
               <a:rPr lang="en-US" dirty="0"/>
               <a:pPr/>
-              <a:t>7/16/20</a:t>
+              <a:t>7/21/20</a:t>
             </a:fld>
             <a:endParaRPr lang="en-US" dirty="0"/>
           </a:p>
@@ -5643,36 +5650,60 @@
         </p:nvSpPr>
         <p:spPr>
           <a:xfrm>
-            <a:off x="518614" y="-365285"/>
-            <a:ext cx="8843749" cy="6288413"/>
+            <a:off x="518613" y="150124"/>
+            <a:ext cx="8911990" cy="5813947"/>
           </a:xfrm>
         </p:spPr>
         <p:txBody>
           <a:bodyPr/>
           <a:lstStyle/>
           <a:p>
-            <a:r>
-              <a:rPr lang="fr-FR" dirty="0"/>
-              <a:t>SOUTENANCE PROJET3:</a:t>
+            <a:pPr algn="ctr"/>
+            <a:r>
+              <a:rPr lang="fr-FR" sz="4400" dirty="0"/>
+              <a:t>SOUTENANCE PROJET3: </a:t>
             </a:r>
             <a:br>
-              <a:rPr lang="fr-FR" dirty="0"/>
+              <a:rPr lang="fr-FR" sz="4400" dirty="0"/>
             </a:br>
             <a:br>
-              <a:rPr lang="fr-FR" dirty="0"/>
+              <a:rPr lang="fr-FR" sz="4800" dirty="0"/>
             </a:br>
             <a:r>
               <a:rPr lang="fr-FR" dirty="0"/>
-              <a:t> « Dynamisez une page web avec des animations CSS »</a:t>
+              <a:t> </a:t>
+            </a:r>
+            <a:r>
+              <a:rPr lang="fr-FR" sz="4400" dirty="0"/>
+              <a:t>« Dynamisez une page web avec des animations CSS »</a:t>
             </a:r>
             <a:br>
-              <a:rPr lang="fr-FR" dirty="0"/>
+              <a:rPr lang="fr-FR" sz="4400" dirty="0"/>
             </a:br>
             <a:br>
               <a:rPr lang="fr-FR" dirty="0"/>
             </a:br>
             <a:r>
+              <a:rPr lang="fr-FR" sz="2800" dirty="0"/>
+              <a:t>Formation</a:t>
+            </a:r>
+            <a:r>
               <a:rPr lang="fr-FR" sz="3200" dirty="0"/>
+              <a:t>: </a:t>
+            </a:r>
+            <a:r>
+              <a:rPr lang="fr-FR" sz="2400" dirty="0"/>
+              <a:t>Développement Web chez </a:t>
+            </a:r>
+            <a:r>
+              <a:rPr lang="fr-FR" sz="2400" dirty="0" err="1"/>
+              <a:t>OpenClassrooms</a:t>
+            </a:r>
+            <a:br>
+              <a:rPr lang="fr-FR" dirty="0"/>
+            </a:br>
+            <a:r>
+              <a:rPr lang="fr-FR" sz="2800" dirty="0"/>
               <a:t>Étudiant:</a:t>
             </a:r>
             <a:r>
@@ -5767,7 +5798,7 @@
           <a:lstStyle/>
           <a:p>
             <a:r>
-              <a:rPr lang="fr-FR" dirty="0"/>
+              <a:rPr lang="fr-FR" b="1" dirty="0"/>
               <a:t>Comment le projet en général est organisé ? </a:t>
             </a:r>
           </a:p>
@@ -5802,11 +5833,11 @@
             </a:r>
             <a:r>
               <a:rPr lang="fr-FR" dirty="0" err="1"/>
-              <a:t>undeline</a:t>
-            </a:r>
-            <a:r>
-              <a:rPr lang="fr-FR" dirty="0"/>
-              <a:t> pour surligner les tires, </a:t>
+              <a:t>underline</a:t>
+            </a:r>
+            <a:r>
+              <a:rPr lang="fr-FR" dirty="0"/>
+              <a:t> pour surligner les titres, </a:t>
             </a:r>
             <a:r>
               <a:rPr lang="fr-FR" dirty="0" err="1"/>
@@ -5900,6 +5931,212 @@
     <p:extLst>
       <p:ext uri="{BB962C8B-B14F-4D97-AF65-F5344CB8AC3E}">
         <p14:creationId xmlns:p14="http://schemas.microsoft.com/office/powerpoint/2010/main" val="259100831"/>
+      </p:ext>
+    </p:extLst>
+  </p:cSld>
+  <p:clrMapOvr>
+    <a:masterClrMapping/>
+  </p:clrMapOvr>
+</p:sld>
+</file>
+
+<file path=ppt/slides/slide11.xml><?xml version="1.0" encoding="utf-8"?>
+<p:sld xmlns:a="http://schemas.openxmlformats.org/drawingml/2006/main" xmlns:r="http://schemas.openxmlformats.org/officeDocument/2006/relationships" xmlns:p="http://schemas.openxmlformats.org/presentationml/2006/main">
+  <p:cSld>
+    <p:spTree>
+      <p:nvGrpSpPr>
+        <p:cNvPr id="1" name=""/>
+        <p:cNvGrpSpPr/>
+        <p:nvPr/>
+      </p:nvGrpSpPr>
+      <p:grpSpPr>
+        <a:xfrm>
+          <a:off x="0" y="0"/>
+          <a:ext cx="0" cy="0"/>
+          <a:chOff x="0" y="0"/>
+          <a:chExt cx="0" cy="0"/>
+        </a:xfrm>
+      </p:grpSpPr>
+      <p:sp>
+        <p:nvSpPr>
+          <p:cNvPr id="2" name="Titre 1">
+            <a:extLst>
+              <a:ext uri="{FF2B5EF4-FFF2-40B4-BE49-F238E27FC236}">
+                <a16:creationId xmlns:a16="http://schemas.microsoft.com/office/drawing/2014/main" id="{9D5F68D3-B6A9-8349-9076-E8ACF49C462D}"/>
+              </a:ext>
+            </a:extLst>
+          </p:cNvPr>
+          <p:cNvSpPr>
+            <a:spLocks noGrp="1"/>
+          </p:cNvSpPr>
+          <p:nvPr>
+            <p:ph type="title"/>
+          </p:nvPr>
+        </p:nvSpPr>
+        <p:spPr/>
+        <p:txBody>
+          <a:bodyPr/>
+          <a:lstStyle/>
+          <a:p>
+            <a:pPr algn="ctr"/>
+            <a:r>
+              <a:rPr lang="fr-FR" dirty="0"/>
+              <a:t>Résumé du projet </a:t>
+            </a:r>
+          </a:p>
+        </p:txBody>
+      </p:sp>
+      <p:sp>
+        <p:nvSpPr>
+          <p:cNvPr id="3" name="Espace réservé du contenu 2">
+            <a:extLst>
+              <a:ext uri="{FF2B5EF4-FFF2-40B4-BE49-F238E27FC236}">
+                <a16:creationId xmlns:a16="http://schemas.microsoft.com/office/drawing/2014/main" id="{4E8B4F25-F2BB-FA4E-99C9-35D64194088B}"/>
+              </a:ext>
+            </a:extLst>
+          </p:cNvPr>
+          <p:cNvSpPr>
+            <a:spLocks noGrp="1"/>
+          </p:cNvSpPr>
+          <p:nvPr>
+            <p:ph idx="1"/>
+          </p:nvPr>
+        </p:nvSpPr>
+        <p:spPr/>
+        <p:txBody>
+          <a:bodyPr/>
+          <a:lstStyle/>
+          <a:p>
+            <a:r>
+              <a:rPr lang="fr-FR" dirty="0"/>
+              <a:t>Pour bien gérer ma partie responsive, conformément aux suggestions de ma première soutenance j’ai appliqué à mon div quatre carré :</a:t>
+            </a:r>
+          </a:p>
+          <a:p>
+            <a:endParaRPr lang="fr-FR" dirty="0"/>
+          </a:p>
+          <a:p>
+            <a:r>
+              <a:rPr lang="fr-FR" dirty="0"/>
+              <a:t>- Display: </a:t>
+            </a:r>
+            <a:r>
+              <a:rPr lang="fr-FR" dirty="0" err="1"/>
+              <a:t>flex</a:t>
+            </a:r>
+            <a:r>
+              <a:rPr lang="fr-FR" dirty="0"/>
+              <a:t>,</a:t>
+            </a:r>
+          </a:p>
+          <a:p>
+            <a:r>
+              <a:rPr lang="fr-FR" dirty="0"/>
+              <a:t>- Flex-flow : </a:t>
+            </a:r>
+            <a:r>
+              <a:rPr lang="fr-FR" dirty="0" err="1"/>
+              <a:t>row</a:t>
+            </a:r>
+            <a:r>
+              <a:rPr lang="fr-FR" dirty="0"/>
+              <a:t> wrap; pour autoriser un renvoie de mes éléments à la ligne.</a:t>
+            </a:r>
+          </a:p>
+          <a:p>
+            <a:endParaRPr lang="fr-FR" dirty="0"/>
+          </a:p>
+          <a:p>
+            <a:pPr marL="0" indent="0">
+              <a:buNone/>
+            </a:pPr>
+            <a:r>
+              <a:rPr lang="fr-FR" dirty="0"/>
+              <a:t>Pour les petits écrans </a:t>
+            </a:r>
+            <a:r>
+              <a:rPr lang="fr-FR" dirty="0" err="1"/>
+              <a:t>flex</a:t>
+            </a:r>
+            <a:r>
+              <a:rPr lang="fr-FR" dirty="0"/>
+              <a:t> autorise d’occuper l’espace restant, c’est pourquoi quand l’écran est petit les 4 carrées se superposent.  </a:t>
+            </a:r>
+          </a:p>
+        </p:txBody>
+      </p:sp>
+    </p:spTree>
+    <p:extLst>
+      <p:ext uri="{BB962C8B-B14F-4D97-AF65-F5344CB8AC3E}">
+        <p14:creationId xmlns:p14="http://schemas.microsoft.com/office/powerpoint/2010/main" val="3993537895"/>
+      </p:ext>
+    </p:extLst>
+  </p:cSld>
+  <p:clrMapOvr>
+    <a:masterClrMapping/>
+  </p:clrMapOvr>
+</p:sld>
+</file>
+
+<file path=ppt/slides/slide12.xml><?xml version="1.0" encoding="utf-8"?>
+<p:sld xmlns:a="http://schemas.openxmlformats.org/drawingml/2006/main" xmlns:r="http://schemas.openxmlformats.org/officeDocument/2006/relationships" xmlns:p="http://schemas.openxmlformats.org/presentationml/2006/main">
+  <p:cSld>
+    <p:spTree>
+      <p:nvGrpSpPr>
+        <p:cNvPr id="1" name=""/>
+        <p:cNvGrpSpPr/>
+        <p:nvPr/>
+      </p:nvGrpSpPr>
+      <p:grpSpPr>
+        <a:xfrm>
+          <a:off x="0" y="0"/>
+          <a:ext cx="0" cy="0"/>
+          <a:chOff x="0" y="0"/>
+          <a:chExt cx="0" cy="0"/>
+        </a:xfrm>
+      </p:grpSpPr>
+      <p:sp>
+        <p:nvSpPr>
+          <p:cNvPr id="3" name="Espace réservé du contenu 2">
+            <a:extLst>
+              <a:ext uri="{FF2B5EF4-FFF2-40B4-BE49-F238E27FC236}">
+                <a16:creationId xmlns:a16="http://schemas.microsoft.com/office/drawing/2014/main" id="{423FA0BB-3C93-E047-ABFB-95F4294E86D2}"/>
+              </a:ext>
+            </a:extLst>
+          </p:cNvPr>
+          <p:cNvSpPr>
+            <a:spLocks noGrp="1"/>
+          </p:cNvSpPr>
+          <p:nvPr>
+            <p:ph idx="1"/>
+          </p:nvPr>
+        </p:nvSpPr>
+        <p:spPr>
+          <a:xfrm>
+            <a:off x="677334" y="3179927"/>
+            <a:ext cx="8596668" cy="3179929"/>
+          </a:xfrm>
+        </p:spPr>
+        <p:txBody>
+          <a:bodyPr>
+            <a:normAutofit/>
+          </a:bodyPr>
+          <a:lstStyle/>
+          <a:p>
+            <a:pPr marL="0" indent="0" algn="ctr">
+              <a:buNone/>
+            </a:pPr>
+            <a:r>
+              <a:rPr lang="fr-FR" sz="4000" dirty="0"/>
+              <a:t>MERCI POUR VOTRE ATTENTION </a:t>
+            </a:r>
+          </a:p>
+        </p:txBody>
+      </p:sp>
+    </p:spTree>
+    <p:extLst>
+      <p:ext uri="{BB962C8B-B14F-4D97-AF65-F5344CB8AC3E}">
+        <p14:creationId xmlns:p14="http://schemas.microsoft.com/office/powerpoint/2010/main" val="1782206360"/>
       </p:ext>
     </p:extLst>
   </p:cSld>
@@ -5977,7 +6214,7 @@
           <a:lstStyle/>
           <a:p>
             <a:r>
-              <a:rPr lang="fr-FR" dirty="0"/>
+              <a:rPr lang="fr-FR" b="1" dirty="0"/>
               <a:t>MES CHOIX TECHNIQUES POUR LA CONCEPTION DE CE PROJET</a:t>
             </a:r>
           </a:p>
@@ -6206,15 +6443,25 @@
             <p:ph idx="1"/>
           </p:nvPr>
         </p:nvSpPr>
-        <p:spPr/>
-        <p:txBody>
-          <a:bodyPr/>
+        <p:spPr>
+          <a:xfrm>
+            <a:off x="677334" y="1760561"/>
+            <a:ext cx="8596668" cy="4280801"/>
+          </a:xfrm>
+        </p:spPr>
+        <p:txBody>
+          <a:bodyPr>
+            <a:normAutofit lnSpcReduction="10000"/>
+          </a:bodyPr>
           <a:lstStyle/>
           <a:p>
             <a:r>
               <a:rPr lang="fr-FR" dirty="0"/>
               <a:t>Deux types de page (page d’accueil et page pour chaque menu).</a:t>
             </a:r>
+          </a:p>
+          <a:p>
+            <a:endParaRPr lang="fr-FR" dirty="0"/>
           </a:p>
           <a:p>
             <a:r>
@@ -6257,6 +6504,9 @@
               <a:rPr lang="fr-FR" dirty="0"/>
               <a:t> (mentions légales, contactez-nous).</a:t>
             </a:r>
+          </a:p>
+          <a:p>
+            <a:endParaRPr lang="fr-FR" dirty="0"/>
           </a:p>
           <a:p>
             <a:r>
@@ -6374,12 +6624,12 @@
           <a:lstStyle/>
           <a:p>
             <a:r>
-              <a:rPr lang="fr-FR" dirty="0"/>
+              <a:rPr lang="fr-FR" b="1" dirty="0"/>
               <a:t>COMMENT J’AI RÉALISÉ MA PAGE D’ACCUEIL ET MES MENUS ?</a:t>
             </a:r>
           </a:p>
           <a:p>
-            <a:endParaRPr lang="fr-FR" dirty="0"/>
+            <a:endParaRPr lang="fr-FR" b="1" dirty="0"/>
           </a:p>
           <a:p>
             <a:r>
@@ -6394,7 +6644,7 @@
           <a:p>
             <a:r>
               <a:rPr lang="fr-FR" dirty="0"/>
-              <a:t>- Des balise sémantiques de type Header, div, a, </a:t>
+              <a:t>- Des balises sémantiques de type Header, div, a, </a:t>
             </a:r>
             <a:r>
               <a:rPr lang="fr-FR" dirty="0" err="1"/>
@@ -6552,7 +6802,7 @@
           </a:p>
           <a:p>
             <a:r>
-              <a:rPr lang="fr-FR" dirty="0"/>
+              <a:rPr lang="fr-FR" b="1" dirty="0"/>
               <a:t>QUELS SONT LES ÉLÉMENTS CSS QUI NOUS ONT PERMIS DE GÉRER LES DIFFÉRENTS COMPARTIMENTS DU PROJET ET LEURS COULEURS ? </a:t>
             </a:r>
           </a:p>
@@ -6682,7 +6932,7 @@
           <a:lstStyle/>
           <a:p>
             <a:r>
-              <a:rPr lang="fr-FR" dirty="0"/>
+              <a:rPr lang="fr-FR" b="1" dirty="0"/>
               <a:t>QUELS SONT LES ÉLÉMENTS CSS QUI NOUS ONT PERMIS DE GÉRER LES DIFFÉRENTS COMPARTIMENTS DU PROJET ET LEURS COULEURS ? </a:t>
             </a:r>
           </a:p>
@@ -6893,7 +7143,7 @@
           <a:lstStyle/>
           <a:p>
             <a:r>
-              <a:rPr lang="fr-FR" dirty="0"/>
+              <a:rPr lang="fr-FR" b="1" dirty="0"/>
               <a:t>QUELS SONT LES ÉLÉMENTS CSS QUI NOUS ONT PERMIS DE GÉRER LES DIFFÉRENTS COMPARTIMENTS DU PROJET ET LEURS COULEURS ? </a:t>
             </a:r>
           </a:p>
@@ -6903,7 +7153,7 @@
           <a:p>
             <a:r>
               <a:rPr lang="fr-FR" dirty="0"/>
-              <a:t>Pour faire ce </a:t>
+              <a:t>Pour la mise en page de ce </a:t>
             </a:r>
             <a:r>
               <a:rPr lang="fr-FR" b="1" dirty="0"/>
@@ -6941,7 +7191,13 @@
             </a:r>
             <a:r>
               <a:rPr lang="fr-FR" dirty="0"/>
-              <a:t>. </a:t>
+              <a:t>.</a:t>
+            </a:r>
+          </a:p>
+          <a:p>
+            <a:r>
+              <a:rPr lang="fr-FR" dirty="0"/>
+              <a:t> </a:t>
             </a:r>
           </a:p>
           <a:p>
@@ -7095,13 +7351,18 @@
             <p:ph idx="1"/>
           </p:nvPr>
         </p:nvSpPr>
-        <p:spPr/>
+        <p:spPr>
+          <a:xfrm>
+            <a:off x="677334" y="1930401"/>
+            <a:ext cx="8596668" cy="4110962"/>
+          </a:xfrm>
+        </p:spPr>
         <p:txBody>
           <a:bodyPr/>
           <a:lstStyle/>
           <a:p>
             <a:r>
-              <a:rPr lang="fr-FR" dirty="0"/>
+              <a:rPr lang="fr-FR" b="1" dirty="0"/>
               <a:t>QUELS SONT LES ÉLÉMENTS CSS QUI NOUS ONT PERMIS DE GÉRER LES DIFFÉRENTS COMPARTIMENTS DU PROJET ET LEURS COULEURS ? </a:t>
             </a:r>
           </a:p>

--- a/Présentation Projet3.pptx
+++ b/Présentation Projet3.pptx
@@ -16,7 +16,8 @@
     <p:sldId id="264" r:id="rId10"/>
     <p:sldId id="265" r:id="rId11"/>
     <p:sldId id="266" r:id="rId12"/>
-    <p:sldId id="267" r:id="rId13"/>
+    <p:sldId id="268" r:id="rId13"/>
+    <p:sldId id="267" r:id="rId14"/>
   </p:sldIdLst>
   <p:sldSz cx="12192000" cy="6858000"/>
   <p:notesSz cx="6858000" cy="9144000"/>
@@ -846,7 +847,7 @@
             <a:fld id="{B61BEF0D-F0BB-DE4B-95CE-6DB70DBA9567}" type="datetimeFigureOut">
               <a:rPr lang="en-US" dirty="0"/>
               <a:pPr/>
-              <a:t>7/21/20</a:t>
+              <a:t>8/9/20</a:t>
             </a:fld>
             <a:endParaRPr lang="en-US" dirty="0"/>
           </a:p>
@@ -1099,7 +1100,7 @@
             <a:fld id="{B61BEF0D-F0BB-DE4B-95CE-6DB70DBA9567}" type="datetimeFigureOut">
               <a:rPr lang="en-US" dirty="0"/>
               <a:pPr/>
-              <a:t>7/21/20</a:t>
+              <a:t>8/9/20</a:t>
             </a:fld>
             <a:endParaRPr lang="en-US" dirty="0"/>
           </a:p>
@@ -1420,7 +1421,7 @@
             <a:fld id="{B61BEF0D-F0BB-DE4B-95CE-6DB70DBA9567}" type="datetimeFigureOut">
               <a:rPr lang="en-US" dirty="0"/>
               <a:pPr/>
-              <a:t>7/21/20</a:t>
+              <a:t>8/9/20</a:t>
             </a:fld>
             <a:endParaRPr lang="en-US" dirty="0"/>
           </a:p>
@@ -1763,7 +1764,7 @@
             <a:fld id="{B61BEF0D-F0BB-DE4B-95CE-6DB70DBA9567}" type="datetimeFigureOut">
               <a:rPr lang="en-US" dirty="0"/>
               <a:pPr/>
-              <a:t>7/21/20</a:t>
+              <a:t>8/9/20</a:t>
             </a:fld>
             <a:endParaRPr lang="en-US" dirty="0"/>
           </a:p>
@@ -2084,7 +2085,7 @@
             <a:fld id="{B61BEF0D-F0BB-DE4B-95CE-6DB70DBA9567}" type="datetimeFigureOut">
               <a:rPr lang="en-US" dirty="0"/>
               <a:pPr/>
-              <a:t>7/21/20</a:t>
+              <a:t>8/9/20</a:t>
             </a:fld>
             <a:endParaRPr lang="en-US" dirty="0"/>
           </a:p>
@@ -2484,7 +2485,7 @@
             <a:fld id="{B61BEF0D-F0BB-DE4B-95CE-6DB70DBA9567}" type="datetimeFigureOut">
               <a:rPr lang="en-US" dirty="0"/>
               <a:pPr/>
-              <a:t>7/21/20</a:t>
+              <a:t>8/9/20</a:t>
             </a:fld>
             <a:endParaRPr lang="en-US" dirty="0"/>
           </a:p>
@@ -2626,7 +2627,7 @@
           <a:p>
             <a:fld id="{55C6B4A9-1611-4792-9094-5F34BCA07E0B}" type="datetimeFigureOut">
               <a:rPr lang="en-US" dirty="0"/>
-              <a:t>7/21/20</a:t>
+              <a:t>8/9/20</a:t>
             </a:fld>
             <a:endParaRPr lang="en-US" dirty="0"/>
           </a:p>
@@ -2778,7 +2779,7 @@
             <a:fld id="{B61BEF0D-F0BB-DE4B-95CE-6DB70DBA9567}" type="datetimeFigureOut">
               <a:rPr lang="en-US" dirty="0"/>
               <a:pPr/>
-              <a:t>7/21/20</a:t>
+              <a:t>8/9/20</a:t>
             </a:fld>
             <a:endParaRPr lang="en-US" dirty="0"/>
           </a:p>
@@ -2927,7 +2928,7 @@
             <a:fld id="{B61BEF0D-F0BB-DE4B-95CE-6DB70DBA9567}" type="datetimeFigureOut">
               <a:rPr lang="en-US" dirty="0"/>
               <a:pPr/>
-              <a:t>7/21/20</a:t>
+              <a:t>8/9/20</a:t>
             </a:fld>
             <a:endParaRPr lang="en-US" dirty="0"/>
           </a:p>
@@ -3176,7 +3177,7 @@
             <a:fld id="{B61BEF0D-F0BB-DE4B-95CE-6DB70DBA9567}" type="datetimeFigureOut">
               <a:rPr lang="en-US" dirty="0"/>
               <a:pPr/>
-              <a:t>7/21/20</a:t>
+              <a:t>8/9/20</a:t>
             </a:fld>
             <a:endParaRPr lang="en-US" dirty="0"/>
           </a:p>
@@ -3356,7 +3357,7 @@
           <a:p>
             <a:fld id="{EB712588-04B1-427B-82EE-E8DB90309F08}" type="datetimeFigureOut">
               <a:rPr lang="en-US" dirty="0"/>
-              <a:t>7/21/20</a:t>
+              <a:t>8/9/20</a:t>
             </a:fld>
             <a:endParaRPr lang="en-US" dirty="0"/>
           </a:p>
@@ -3688,7 +3689,7 @@
             <a:fld id="{B61BEF0D-F0BB-DE4B-95CE-6DB70DBA9567}" type="datetimeFigureOut">
               <a:rPr lang="en-US" dirty="0"/>
               <a:pPr/>
-              <a:t>7/21/20</a:t>
+              <a:t>8/9/20</a:t>
             </a:fld>
             <a:endParaRPr lang="en-US" dirty="0"/>
           </a:p>
@@ -3808,7 +3809,7 @@
             <a:fld id="{B61BEF0D-F0BB-DE4B-95CE-6DB70DBA9567}" type="datetimeFigureOut">
               <a:rPr lang="en-US" dirty="0"/>
               <a:pPr/>
-              <a:t>7/21/20</a:t>
+              <a:t>8/9/20</a:t>
             </a:fld>
             <a:endParaRPr lang="en-US" dirty="0"/>
           </a:p>
@@ -3900,7 +3901,7 @@
             <a:fld id="{B61BEF0D-F0BB-DE4B-95CE-6DB70DBA9567}" type="datetimeFigureOut">
               <a:rPr lang="en-US" dirty="0"/>
               <a:pPr/>
-              <a:t>7/21/20</a:t>
+              <a:t>8/9/20</a:t>
             </a:fld>
             <a:endParaRPr lang="en-US" dirty="0"/>
           </a:p>
@@ -4132,7 +4133,7 @@
           <a:p>
             <a:fld id="{42A54C80-263E-416B-A8E0-580EDEADCBDC}" type="datetimeFigureOut">
               <a:rPr lang="en-US" dirty="0"/>
-              <a:t>7/21/20</a:t>
+              <a:t>8/9/20</a:t>
             </a:fld>
             <a:endParaRPr lang="en-US" dirty="0"/>
           </a:p>
@@ -4396,7 +4397,7 @@
             <a:fld id="{B61BEF0D-F0BB-DE4B-95CE-6DB70DBA9567}" type="datetimeFigureOut">
               <a:rPr lang="en-US" dirty="0"/>
               <a:pPr/>
-              <a:t>7/21/20</a:t>
+              <a:t>8/9/20</a:t>
             </a:fld>
             <a:endParaRPr lang="en-US" dirty="0"/>
           </a:p>
@@ -5112,7 +5113,7 @@
             <a:fld id="{B61BEF0D-F0BB-DE4B-95CE-6DB70DBA9567}" type="datetimeFigureOut">
               <a:rPr lang="en-US" dirty="0"/>
               <a:pPr/>
-              <a:t>7/21/20</a:t>
+              <a:t>8/9/20</a:t>
             </a:fld>
             <a:endParaRPr lang="en-US" dirty="0"/>
           </a:p>
@@ -5805,7 +5806,11 @@
           <a:p>
             <a:r>
               <a:rPr lang="fr-FR" dirty="0"/>
-              <a:t>- Pour faire les lignes dans les menus j’ai utilisé </a:t>
+              <a:t>- Pour faire les images dans les menus j’ai fait des captures auxquelles j’ai donné la </a:t>
+            </a:r>
+            <a:r>
+              <a:rPr lang="fr-FR"/>
+              <a:t>même taille, </a:t>
             </a:r>
             <a:r>
               <a:rPr lang="fr-FR" dirty="0" err="1"/>
@@ -6079,6 +6084,148 @@
 </file>
 
 <file path=ppt/slides/slide12.xml><?xml version="1.0" encoding="utf-8"?>
+<p:sld xmlns:a="http://schemas.openxmlformats.org/drawingml/2006/main" xmlns:r="http://schemas.openxmlformats.org/officeDocument/2006/relationships" xmlns:p="http://schemas.openxmlformats.org/presentationml/2006/main">
+  <p:cSld>
+    <p:spTree>
+      <p:nvGrpSpPr>
+        <p:cNvPr id="1" name=""/>
+        <p:cNvGrpSpPr/>
+        <p:nvPr/>
+      </p:nvGrpSpPr>
+      <p:grpSpPr>
+        <a:xfrm>
+          <a:off x="0" y="0"/>
+          <a:ext cx="0" cy="0"/>
+          <a:chOff x="0" y="0"/>
+          <a:chExt cx="0" cy="0"/>
+        </a:xfrm>
+      </p:grpSpPr>
+      <p:sp>
+        <p:nvSpPr>
+          <p:cNvPr id="2" name="Titre 1">
+            <a:extLst>
+              <a:ext uri="{FF2B5EF4-FFF2-40B4-BE49-F238E27FC236}">
+                <a16:creationId xmlns:a16="http://schemas.microsoft.com/office/drawing/2014/main" id="{58A4A091-6F93-CF48-9DDE-680C0DC8A4BD}"/>
+              </a:ext>
+            </a:extLst>
+          </p:cNvPr>
+          <p:cNvSpPr>
+            <a:spLocks noGrp="1"/>
+          </p:cNvSpPr>
+          <p:nvPr>
+            <p:ph type="title"/>
+          </p:nvPr>
+        </p:nvSpPr>
+        <p:spPr/>
+        <p:txBody>
+          <a:bodyPr/>
+          <a:lstStyle/>
+          <a:p>
+            <a:pPr algn="ctr"/>
+            <a:r>
+              <a:rPr lang="fr-FR" dirty="0"/>
+              <a:t>Résumé du Projet</a:t>
+            </a:r>
+          </a:p>
+        </p:txBody>
+      </p:sp>
+      <p:sp>
+        <p:nvSpPr>
+          <p:cNvPr id="3" name="Espace réservé du contenu 2">
+            <a:extLst>
+              <a:ext uri="{FF2B5EF4-FFF2-40B4-BE49-F238E27FC236}">
+                <a16:creationId xmlns:a16="http://schemas.microsoft.com/office/drawing/2014/main" id="{3C687351-3339-6B41-9C0F-EDB77FE25D06}"/>
+              </a:ext>
+            </a:extLst>
+          </p:cNvPr>
+          <p:cNvSpPr>
+            <a:spLocks noGrp="1"/>
+          </p:cNvSpPr>
+          <p:nvPr>
+            <p:ph idx="1"/>
+          </p:nvPr>
+        </p:nvSpPr>
+        <p:spPr/>
+        <p:txBody>
+          <a:bodyPr/>
+          <a:lstStyle/>
+          <a:p>
+            <a:r>
+              <a:rPr lang="fr-FR" dirty="0"/>
+              <a:t>Au niveau des h4 (sous-titre menu), j’ai utilisé des images avant et après chaque titre.</a:t>
+            </a:r>
+          </a:p>
+          <a:p>
+            <a:r>
+              <a:rPr lang="fr-FR" dirty="0"/>
+              <a:t>J’ai utilisé des captures d’écrans que j’ai traité, afin de les intégrer dans mon projet.</a:t>
+            </a:r>
+          </a:p>
+          <a:p>
+            <a:pPr marL="0" indent="0">
+              <a:buNone/>
+            </a:pPr>
+            <a:r>
+              <a:rPr lang="fr-FR" dirty="0"/>
+              <a:t>     - </a:t>
+            </a:r>
+            <a:r>
+              <a:rPr lang="fr-FR" dirty="0" err="1"/>
+              <a:t>Overflow</a:t>
+            </a:r>
+            <a:r>
+              <a:rPr lang="fr-FR" dirty="0"/>
+              <a:t>-x pour gérer le dépassement du contenu à gauche et droite,</a:t>
+            </a:r>
+          </a:p>
+          <a:p>
+            <a:pPr marL="0" indent="0">
+              <a:buNone/>
+            </a:pPr>
+            <a:r>
+              <a:rPr lang="fr-FR" dirty="0"/>
+              <a:t>     - </a:t>
+            </a:r>
+            <a:r>
+              <a:rPr lang="fr-FR" dirty="0" err="1"/>
+              <a:t>hidden</a:t>
+            </a:r>
+            <a:r>
+              <a:rPr lang="fr-FR" dirty="0"/>
+              <a:t> pour rogner le contenu afin de tenir horizontalement dans la boite de remplissage. </a:t>
+            </a:r>
+          </a:p>
+          <a:p>
+            <a:pPr marL="0" indent="0">
+              <a:buNone/>
+            </a:pPr>
+            <a:r>
+              <a:rPr lang="fr-FR" dirty="0"/>
+              <a:t> </a:t>
+            </a:r>
+          </a:p>
+          <a:p>
+            <a:r>
+              <a:rPr lang="fr-FR" dirty="0"/>
+              <a:t>Mon CSS est rangé par ordre alphabétique  </a:t>
+            </a:r>
+          </a:p>
+        </p:txBody>
+      </p:sp>
+    </p:spTree>
+    <p:extLst>
+      <p:ext uri="{BB962C8B-B14F-4D97-AF65-F5344CB8AC3E}">
+        <p14:creationId xmlns:p14="http://schemas.microsoft.com/office/powerpoint/2010/main" val="787368228"/>
+      </p:ext>
+    </p:extLst>
+  </p:cSld>
+  <p:clrMapOvr>
+    <a:masterClrMapping/>
+  </p:clrMapOvr>
+</p:sld>
+</file>
+
+<file path=ppt/slides/slide13.xml><?xml version="1.0" encoding="utf-8"?>
 <p:sld xmlns:a="http://schemas.openxmlformats.org/drawingml/2006/main" xmlns:r="http://schemas.openxmlformats.org/officeDocument/2006/relationships" xmlns:p="http://schemas.openxmlformats.org/presentationml/2006/main">
   <p:cSld>
     <p:spTree>

--- a/Présentation Projet3.pptx
+++ b/Présentation Projet3.pptx
@@ -5806,11 +5806,7 @@
           <a:p>
             <a:r>
               <a:rPr lang="fr-FR" dirty="0"/>
-              <a:t>- Pour faire les images dans les menus j’ai fait des captures auxquelles j’ai donné la </a:t>
-            </a:r>
-            <a:r>
-              <a:rPr lang="fr-FR"/>
-              <a:t>même taille, </a:t>
+              <a:t>- Pour faire les images dans les menus j’ai fait des captures auxquelles j’ai donné la même taille, </a:t>
             </a:r>
             <a:r>
               <a:rPr lang="fr-FR" dirty="0" err="1"/>

--- a/Présentation Projet3.pptx
+++ b/Présentation Projet3.pptx
@@ -847,7 +847,7 @@
             <a:fld id="{B61BEF0D-F0BB-DE4B-95CE-6DB70DBA9567}" type="datetimeFigureOut">
               <a:rPr lang="en-US" dirty="0"/>
               <a:pPr/>
-              <a:t>8/9/20</a:t>
+              <a:t>8/13/20</a:t>
             </a:fld>
             <a:endParaRPr lang="en-US" dirty="0"/>
           </a:p>
@@ -1100,7 +1100,7 @@
             <a:fld id="{B61BEF0D-F0BB-DE4B-95CE-6DB70DBA9567}" type="datetimeFigureOut">
               <a:rPr lang="en-US" dirty="0"/>
               <a:pPr/>
-              <a:t>8/9/20</a:t>
+              <a:t>8/13/20</a:t>
             </a:fld>
             <a:endParaRPr lang="en-US" dirty="0"/>
           </a:p>
@@ -1421,7 +1421,7 @@
             <a:fld id="{B61BEF0D-F0BB-DE4B-95CE-6DB70DBA9567}" type="datetimeFigureOut">
               <a:rPr lang="en-US" dirty="0"/>
               <a:pPr/>
-              <a:t>8/9/20</a:t>
+              <a:t>8/13/20</a:t>
             </a:fld>
             <a:endParaRPr lang="en-US" dirty="0"/>
           </a:p>
@@ -1764,7 +1764,7 @@
             <a:fld id="{B61BEF0D-F0BB-DE4B-95CE-6DB70DBA9567}" type="datetimeFigureOut">
               <a:rPr lang="en-US" dirty="0"/>
               <a:pPr/>
-              <a:t>8/9/20</a:t>
+              <a:t>8/13/20</a:t>
             </a:fld>
             <a:endParaRPr lang="en-US" dirty="0"/>
           </a:p>
@@ -2085,7 +2085,7 @@
             <a:fld id="{B61BEF0D-F0BB-DE4B-95CE-6DB70DBA9567}" type="datetimeFigureOut">
               <a:rPr lang="en-US" dirty="0"/>
               <a:pPr/>
-              <a:t>8/9/20</a:t>
+              <a:t>8/13/20</a:t>
             </a:fld>
             <a:endParaRPr lang="en-US" dirty="0"/>
           </a:p>
@@ -2485,7 +2485,7 @@
             <a:fld id="{B61BEF0D-F0BB-DE4B-95CE-6DB70DBA9567}" type="datetimeFigureOut">
               <a:rPr lang="en-US" dirty="0"/>
               <a:pPr/>
-              <a:t>8/9/20</a:t>
+              <a:t>8/13/20</a:t>
             </a:fld>
             <a:endParaRPr lang="en-US" dirty="0"/>
           </a:p>
@@ -2627,7 +2627,7 @@
           <a:p>
             <a:fld id="{55C6B4A9-1611-4792-9094-5F34BCA07E0B}" type="datetimeFigureOut">
               <a:rPr lang="en-US" dirty="0"/>
-              <a:t>8/9/20</a:t>
+              <a:t>8/13/20</a:t>
             </a:fld>
             <a:endParaRPr lang="en-US" dirty="0"/>
           </a:p>
@@ -2779,7 +2779,7 @@
             <a:fld id="{B61BEF0D-F0BB-DE4B-95CE-6DB70DBA9567}" type="datetimeFigureOut">
               <a:rPr lang="en-US" dirty="0"/>
               <a:pPr/>
-              <a:t>8/9/20</a:t>
+              <a:t>8/13/20</a:t>
             </a:fld>
             <a:endParaRPr lang="en-US" dirty="0"/>
           </a:p>
@@ -2928,7 +2928,7 @@
             <a:fld id="{B61BEF0D-F0BB-DE4B-95CE-6DB70DBA9567}" type="datetimeFigureOut">
               <a:rPr lang="en-US" dirty="0"/>
               <a:pPr/>
-              <a:t>8/9/20</a:t>
+              <a:t>8/13/20</a:t>
             </a:fld>
             <a:endParaRPr lang="en-US" dirty="0"/>
           </a:p>
@@ -3177,7 +3177,7 @@
             <a:fld id="{B61BEF0D-F0BB-DE4B-95CE-6DB70DBA9567}" type="datetimeFigureOut">
               <a:rPr lang="en-US" dirty="0"/>
               <a:pPr/>
-              <a:t>8/9/20</a:t>
+              <a:t>8/13/20</a:t>
             </a:fld>
             <a:endParaRPr lang="en-US" dirty="0"/>
           </a:p>
@@ -3357,7 +3357,7 @@
           <a:p>
             <a:fld id="{EB712588-04B1-427B-82EE-E8DB90309F08}" type="datetimeFigureOut">
               <a:rPr lang="en-US" dirty="0"/>
-              <a:t>8/9/20</a:t>
+              <a:t>8/13/20</a:t>
             </a:fld>
             <a:endParaRPr lang="en-US" dirty="0"/>
           </a:p>
@@ -3689,7 +3689,7 @@
             <a:fld id="{B61BEF0D-F0BB-DE4B-95CE-6DB70DBA9567}" type="datetimeFigureOut">
               <a:rPr lang="en-US" dirty="0"/>
               <a:pPr/>
-              <a:t>8/9/20</a:t>
+              <a:t>8/13/20</a:t>
             </a:fld>
             <a:endParaRPr lang="en-US" dirty="0"/>
           </a:p>
@@ -3809,7 +3809,7 @@
             <a:fld id="{B61BEF0D-F0BB-DE4B-95CE-6DB70DBA9567}" type="datetimeFigureOut">
               <a:rPr lang="en-US" dirty="0"/>
               <a:pPr/>
-              <a:t>8/9/20</a:t>
+              <a:t>8/13/20</a:t>
             </a:fld>
             <a:endParaRPr lang="en-US" dirty="0"/>
           </a:p>
@@ -3901,7 +3901,7 @@
             <a:fld id="{B61BEF0D-F0BB-DE4B-95CE-6DB70DBA9567}" type="datetimeFigureOut">
               <a:rPr lang="en-US" dirty="0"/>
               <a:pPr/>
-              <a:t>8/9/20</a:t>
+              <a:t>8/13/20</a:t>
             </a:fld>
             <a:endParaRPr lang="en-US" dirty="0"/>
           </a:p>
@@ -4133,7 +4133,7 @@
           <a:p>
             <a:fld id="{42A54C80-263E-416B-A8E0-580EDEADCBDC}" type="datetimeFigureOut">
               <a:rPr lang="en-US" dirty="0"/>
-              <a:t>8/9/20</a:t>
+              <a:t>8/13/20</a:t>
             </a:fld>
             <a:endParaRPr lang="en-US" dirty="0"/>
           </a:p>
@@ -4397,7 +4397,7 @@
             <a:fld id="{B61BEF0D-F0BB-DE4B-95CE-6DB70DBA9567}" type="datetimeFigureOut">
               <a:rPr lang="en-US" dirty="0"/>
               <a:pPr/>
-              <a:t>8/9/20</a:t>
+              <a:t>8/13/20</a:t>
             </a:fld>
             <a:endParaRPr lang="en-US" dirty="0"/>
           </a:p>
@@ -5113,7 +5113,7 @@
             <a:fld id="{B61BEF0D-F0BB-DE4B-95CE-6DB70DBA9567}" type="datetimeFigureOut">
               <a:rPr lang="en-US" dirty="0"/>
               <a:pPr/>
-              <a:t>8/9/20</a:t>
+              <a:t>8/13/20</a:t>
             </a:fld>
             <a:endParaRPr lang="en-US" dirty="0"/>
           </a:p>
@@ -5818,27 +5818,11 @@
             </a:r>
             <a:r>
               <a:rPr lang="fr-FR" dirty="0" err="1"/>
-              <a:t>hover</a:t>
-            </a:r>
-            <a:r>
-              <a:rPr lang="fr-FR" dirty="0"/>
-              <a:t>, </a:t>
-            </a:r>
-            <a:r>
-              <a:rPr lang="fr-FR" dirty="0" err="1"/>
-              <a:t>text-decoration</a:t>
-            </a:r>
-            <a:r>
-              <a:rPr lang="fr-FR" dirty="0"/>
-              <a:t> </a:t>
-            </a:r>
-            <a:r>
-              <a:rPr lang="fr-FR" dirty="0" err="1"/>
-              <a:t>underline</a:t>
-            </a:r>
-            <a:r>
-              <a:rPr lang="fr-FR" dirty="0"/>
-              <a:t> pour surligner les titres, </a:t>
+              <a:t>hover-after</a:t>
+            </a:r>
+            <a:r>
+              <a:rPr lang="fr-FR" dirty="0"/>
+              <a:t> pour surligner les titres de gauche vers la droite, </a:t>
             </a:r>
             <a:r>
               <a:rPr lang="fr-FR" dirty="0" err="1"/>
@@ -5850,27 +5834,19 @@
             </a:r>
             <a:r>
               <a:rPr lang="fr-FR" dirty="0" err="1"/>
-              <a:t>before</a:t>
-            </a:r>
-            <a:r>
-              <a:rPr lang="fr-FR" dirty="0"/>
-              <a:t> et </a:t>
+              <a:t>after</a:t>
+            </a:r>
+            <a:r>
+              <a:rPr lang="fr-FR" dirty="0"/>
+              <a:t>, position </a:t>
             </a:r>
             <a:r>
               <a:rPr lang="fr-FR" dirty="0" err="1"/>
-              <a:t>after</a:t>
-            </a:r>
-            <a:r>
-              <a:rPr lang="fr-FR" dirty="0"/>
-              <a:t>, border, content et </a:t>
-            </a:r>
-            <a:r>
-              <a:rPr lang="fr-FR" dirty="0" err="1"/>
-              <a:t>margin</a:t>
-            </a:r>
-            <a:r>
-              <a:rPr lang="fr-FR" dirty="0"/>
-              <a:t>,</a:t>
+              <a:t>absolute</a:t>
+            </a:r>
+            <a:r>
+              <a:rPr lang="fr-FR" dirty="0"/>
+              <a:t>, background black,</a:t>
             </a:r>
           </a:p>
           <a:p>
@@ -7144,7 +7120,7 @@
           <a:p>
             <a:r>
               <a:rPr lang="fr-FR" dirty="0"/>
-              <a:t>- Pour les animer nous avons utilisé:</a:t>
+              <a:t>- Pour animer le contenu des carrés nous avons utilisé:</a:t>
             </a:r>
           </a:p>
           <a:p>
